--- a/MOOD_Summer_School_Risk_Mapping_Dashboard.pptx
+++ b/MOOD_Summer_School_Risk_Mapping_Dashboard.pptx
@@ -5,24 +5,25 @@
     <p:sldMasterId id="2147483663" r:id="rId1"/>
   </p:sldMasterIdLst>
   <p:notesMasterIdLst>
-    <p:notesMasterId r:id="rId7"/>
+    <p:notesMasterId r:id="rId8"/>
   </p:notesMasterIdLst>
   <p:sldIdLst>
     <p:sldId id="256" r:id="rId2"/>
     <p:sldId id="258" r:id="rId3"/>
     <p:sldId id="259" r:id="rId4"/>
     <p:sldId id="260" r:id="rId5"/>
-    <p:sldId id="261" r:id="rId6"/>
+    <p:sldId id="262" r:id="rId6"/>
+    <p:sldId id="261" r:id="rId7"/>
   </p:sldIdLst>
   <p:sldSz cx="9144000" cy="5143500" type="screen16x9"/>
   <p:notesSz cx="6858000" cy="9144000"/>
   <p:embeddedFontLst>
     <p:embeddedFont>
       <p:font typeface="Roboto" panose="02000000000000000000" pitchFamily="2" charset="0"/>
-      <p:regular r:id="rId8"/>
-      <p:bold r:id="rId9"/>
-      <p:italic r:id="rId10"/>
-      <p:boldItalic r:id="rId11"/>
+      <p:regular r:id="rId9"/>
+      <p:bold r:id="rId10"/>
+      <p:italic r:id="rId11"/>
+      <p:boldItalic r:id="rId12"/>
     </p:embeddedFont>
   </p:embeddedFontLst>
   <p:defaultTextStyle>
@@ -1168,6 +1169,124 @@
 </file>
 
 <file path=ppt/notesSlides/notesSlide5.xml><?xml version="1.0" encoding="utf-8"?>
+<p:notes xmlns:a="http://schemas.openxmlformats.org/drawingml/2006/main" xmlns:r="http://schemas.openxmlformats.org/officeDocument/2006/relationships" xmlns:p="http://schemas.openxmlformats.org/presentationml/2006/main" showMasterSp="0" showMasterPhAnim="0">
+  <p:cSld>
+    <p:spTree>
+      <p:nvGrpSpPr>
+        <p:cNvPr id="1" name="Shape 102"/>
+        <p:cNvGrpSpPr/>
+        <p:nvPr/>
+      </p:nvGrpSpPr>
+      <p:grpSpPr>
+        <a:xfrm>
+          <a:off x="0" y="0"/>
+          <a:ext cx="0" cy="0"/>
+          <a:chOff x="0" y="0"/>
+          <a:chExt cx="0" cy="0"/>
+        </a:xfrm>
+      </p:grpSpPr>
+      <p:sp>
+        <p:nvSpPr>
+          <p:cNvPr id="103" name="Google Shape;103;g1ab6944e7cc_0_3:notes"/>
+          <p:cNvSpPr>
+            <a:spLocks noGrp="1" noRot="1" noChangeAspect="1"/>
+          </p:cNvSpPr>
+          <p:nvPr>
+            <p:ph type="sldImg" idx="2"/>
+          </p:nvPr>
+        </p:nvSpPr>
+        <p:spPr>
+          <a:xfrm>
+            <a:off x="381000" y="685800"/>
+            <a:ext cx="6096000" cy="3429000"/>
+          </a:xfrm>
+          <a:custGeom>
+            <a:avLst/>
+            <a:gdLst/>
+            <a:ahLst/>
+            <a:cxnLst/>
+            <a:rect l="l" t="t" r="r" b="b"/>
+            <a:pathLst>
+              <a:path w="120000" h="120000" extrusionOk="0">
+                <a:moveTo>
+                  <a:pt x="0" y="0"/>
+                </a:moveTo>
+                <a:lnTo>
+                  <a:pt x="120000" y="0"/>
+                </a:lnTo>
+                <a:lnTo>
+                  <a:pt x="120000" y="120000"/>
+                </a:lnTo>
+                <a:lnTo>
+                  <a:pt x="0" y="120000"/>
+                </a:lnTo>
+                <a:close/>
+              </a:path>
+            </a:pathLst>
+          </a:custGeom>
+        </p:spPr>
+      </p:sp>
+      <p:sp>
+        <p:nvSpPr>
+          <p:cNvPr id="104" name="Google Shape;104;g1ab6944e7cc_0_3:notes"/>
+          <p:cNvSpPr txBox="1">
+            <a:spLocks noGrp="1"/>
+          </p:cNvSpPr>
+          <p:nvPr>
+            <p:ph type="body" idx="1"/>
+          </p:nvPr>
+        </p:nvSpPr>
+        <p:spPr>
+          <a:xfrm>
+            <a:off x="685800" y="4343400"/>
+            <a:ext cx="5486400" cy="4114800"/>
+          </a:xfrm>
+          <a:prstGeom prst="rect">
+            <a:avLst/>
+          </a:prstGeom>
+        </p:spPr>
+        <p:txBody>
+          <a:bodyPr spcFirstLastPara="1" wrap="square" lIns="91425" tIns="91425" rIns="91425" bIns="91425" anchor="t" anchorCtr="0">
+            <a:noAutofit/>
+          </a:bodyPr>
+          <a:lstStyle/>
+          <a:p>
+            <a:pPr marL="0" lvl="0" indent="0" algn="l" rtl="0">
+              <a:spcBef>
+                <a:spcPts val="0"/>
+              </a:spcBef>
+              <a:spcAft>
+                <a:spcPts val="0"/>
+              </a:spcAft>
+              <a:buClr>
+                <a:schemeClr val="dk1"/>
+              </a:buClr>
+              <a:buSzPts val="1100"/>
+              <a:buFont typeface="Arial"/>
+              <a:buNone/>
+            </a:pPr>
+            <a:endParaRPr dirty="0">
+              <a:solidFill>
+                <a:schemeClr val="dk1"/>
+              </a:solidFill>
+            </a:endParaRPr>
+          </a:p>
+        </p:txBody>
+      </p:sp>
+    </p:spTree>
+    <p:extLst>
+      <p:ext uri="{BB962C8B-B14F-4D97-AF65-F5344CB8AC3E}">
+        <p14:creationId xmlns:p14="http://schemas.microsoft.com/office/powerpoint/2010/main" val="940227023"/>
+      </p:ext>
+    </p:extLst>
+  </p:cSld>
+  <p:clrMapOvr>
+    <a:masterClrMapping/>
+  </p:clrMapOvr>
+</p:notes>
+</file>
+
+<file path=ppt/notesSlides/notesSlide6.xml><?xml version="1.0" encoding="utf-8"?>
 <p:notes xmlns:a="http://schemas.openxmlformats.org/drawingml/2006/main" xmlns:r="http://schemas.openxmlformats.org/officeDocument/2006/relationships" xmlns:p="http://schemas.openxmlformats.org/presentationml/2006/main" showMasterSp="0" showMasterPhAnim="0">
   <p:cSld>
     <p:spTree>
@@ -8327,6 +8446,21 @@
               </a:rPr>
               <a:t> Alam SYED</a:t>
             </a:r>
+          </a:p>
+          <a:p>
+            <a:pPr marL="0" lvl="1" algn="ctr"/>
+            <a:r>
+              <a:rPr lang="fr-FR" sz="1200" b="1" u="sng" dirty="0">
+                <a:solidFill>
+                  <a:srgbClr val="1F497D"/>
+                </a:solidFill>
+                <a:latin typeface="Roboto"/>
+                <a:ea typeface="Roboto"/>
+                <a:cs typeface="Roboto"/>
+                <a:sym typeface="Roboto"/>
+              </a:rPr>
+              <a:t>CIRAD, UMR TETIS, France</a:t>
+            </a:r>
             <a:endParaRPr sz="1200" b="1" dirty="0">
               <a:solidFill>
                 <a:srgbClr val="1F497D"/>
@@ -8404,6 +8538,53 @@
               <a:cs typeface="Roboto"/>
               <a:sym typeface="Roboto"/>
             </a:endParaRPr>
+          </a:p>
+        </p:txBody>
+      </p:sp>
+      <p:sp>
+        <p:nvSpPr>
+          <p:cNvPr id="4" name="TextBox 3">
+            <a:extLst>
+              <a:ext uri="{FF2B5EF4-FFF2-40B4-BE49-F238E27FC236}">
+                <a16:creationId xmlns:a16="http://schemas.microsoft.com/office/drawing/2014/main" id="{53AB32D5-9BDC-96B2-AD99-DF0E21169336}"/>
+              </a:ext>
+            </a:extLst>
+          </p:cNvPr>
+          <p:cNvSpPr txBox="1"/>
+          <p:nvPr/>
+        </p:nvSpPr>
+        <p:spPr>
+          <a:xfrm>
+            <a:off x="3683721" y="4120137"/>
+            <a:ext cx="2435282" cy="307777"/>
+          </a:xfrm>
+          <a:prstGeom prst="rect">
+            <a:avLst/>
+          </a:prstGeom>
+          <a:noFill/>
+        </p:spPr>
+        <p:txBody>
+          <a:bodyPr wrap="none" rtlCol="0">
+            <a:spAutoFit/>
+          </a:bodyPr>
+          <a:lstStyle/>
+          <a:p>
+            <a:r>
+              <a:rPr lang="en-GB" dirty="0">
+                <a:hlinkClick r:id="rId7"/>
+              </a:rPr>
+              <a:t>m</a:t>
+            </a:r>
+            <a:r>
+              <a:rPr lang="en-FR" dirty="0">
+                <a:hlinkClick r:id="rId7"/>
+              </a:rPr>
+              <a:t>ehtab-alam.syed@cirad.fr</a:t>
+            </a:r>
+            <a:r>
+              <a:rPr lang="en-FR" dirty="0"/>
+              <a:t> </a:t>
+            </a:r>
           </a:p>
         </p:txBody>
       </p:sp>
@@ -11115,13 +11296,1371 @@
             <a:p>
               <a:pPr algn="ctr"/>
               <a:r>
+                <a:rPr lang="en-GB" sz="2800" b="1" spc="-1" dirty="0" err="1">
+                  <a:solidFill>
+                    <a:schemeClr val="bg1"/>
+                  </a:solidFill>
+                  <a:latin typeface="Twentieth Century"/>
+                </a:rPr>
+                <a:t>Excercise</a:t>
+              </a:r>
+              <a:endParaRPr lang="fr-FR" sz="2800" b="1" spc="-1" dirty="0">
+                <a:solidFill>
+                  <a:schemeClr val="bg1"/>
+                </a:solidFill>
+                <a:latin typeface="Twentieth Century"/>
+              </a:endParaRPr>
+            </a:p>
+            <a:p>
+              <a:pPr marL="0" lvl="0" indent="0" algn="ctr" rtl="0">
+                <a:spcBef>
+                  <a:spcPts val="0"/>
+                </a:spcBef>
+                <a:spcAft>
+                  <a:spcPts val="0"/>
+                </a:spcAft>
+                <a:buNone/>
+              </a:pPr>
+              <a:endParaRPr sz="2500" b="1" dirty="0">
+                <a:solidFill>
+                  <a:srgbClr val="EDF3F4"/>
+                </a:solidFill>
+                <a:latin typeface="Roboto"/>
+                <a:ea typeface="Roboto"/>
+                <a:cs typeface="Roboto"/>
+                <a:sym typeface="Roboto"/>
+              </a:endParaRPr>
+            </a:p>
+          </p:txBody>
+        </p:sp>
+      </p:grpSp>
+      <p:sp>
+        <p:nvSpPr>
+          <p:cNvPr id="111" name="Google Shape;111;p19"/>
+          <p:cNvSpPr/>
+          <p:nvPr/>
+        </p:nvSpPr>
+        <p:spPr>
+          <a:xfrm>
+            <a:off x="7828775" y="4123675"/>
+            <a:ext cx="167100" cy="167100"/>
+          </a:xfrm>
+          <a:prstGeom prst="ellipse">
+            <a:avLst/>
+          </a:prstGeom>
+          <a:solidFill>
+            <a:schemeClr val="lt1"/>
+          </a:solidFill>
+          <a:ln w="9525" cap="flat" cmpd="sng">
+            <a:solidFill>
+              <a:schemeClr val="lt1"/>
+            </a:solidFill>
+            <a:prstDash val="solid"/>
+            <a:round/>
+            <a:headEnd type="none" w="sm" len="sm"/>
+            <a:tailEnd type="none" w="sm" len="sm"/>
+          </a:ln>
+        </p:spPr>
+        <p:txBody>
+          <a:bodyPr spcFirstLastPara="1" wrap="square" lIns="91425" tIns="91425" rIns="91425" bIns="91425" anchor="ctr" anchorCtr="0">
+            <a:noAutofit/>
+          </a:bodyPr>
+          <a:lstStyle/>
+          <a:p>
+            <a:pPr marL="0" lvl="0" indent="0" algn="l" rtl="0">
+              <a:spcBef>
+                <a:spcPts val="0"/>
+              </a:spcBef>
+              <a:spcAft>
+                <a:spcPts val="0"/>
+              </a:spcAft>
+              <a:buNone/>
+            </a:pPr>
+            <a:endParaRPr/>
+          </a:p>
+        </p:txBody>
+      </p:sp>
+      <p:pic>
+        <p:nvPicPr>
+          <p:cNvPr id="2" name="Google Shape;84;p17" descr="Macintosh HD:Users:jessicamery:Desktop:EU Flag:flag_yellow_low.jpg">
+            <a:extLst>
+              <a:ext uri="{FF2B5EF4-FFF2-40B4-BE49-F238E27FC236}">
+                <a16:creationId xmlns:a16="http://schemas.microsoft.com/office/drawing/2014/main" id="{B33B3BE7-A8CC-20C5-9713-E30BC5A051FF}"/>
+              </a:ext>
+            </a:extLst>
+          </p:cNvPr>
+          <p:cNvPicPr preferRelativeResize="0"/>
+          <p:nvPr/>
+        </p:nvPicPr>
+        <p:blipFill rotWithShape="1">
+          <a:blip r:embed="rId4">
+            <a:alphaModFix/>
+          </a:blip>
+          <a:srcRect/>
+          <a:stretch/>
+        </p:blipFill>
+        <p:spPr>
+          <a:xfrm>
+            <a:off x="2102211" y="4845912"/>
+            <a:ext cx="312499" cy="217572"/>
+          </a:xfrm>
+          <a:prstGeom prst="rect">
+            <a:avLst/>
+          </a:prstGeom>
+          <a:noFill/>
+          <a:ln>
+            <a:noFill/>
+          </a:ln>
+        </p:spPr>
+      </p:pic>
+      <p:sp>
+        <p:nvSpPr>
+          <p:cNvPr id="3" name="Google Shape;85;p17">
+            <a:extLst>
+              <a:ext uri="{FF2B5EF4-FFF2-40B4-BE49-F238E27FC236}">
+                <a16:creationId xmlns:a16="http://schemas.microsoft.com/office/drawing/2014/main" id="{5E384F5D-E280-1AB6-6FE6-A621116EDC3A}"/>
+              </a:ext>
+            </a:extLst>
+          </p:cNvPr>
+          <p:cNvSpPr txBox="1"/>
+          <p:nvPr/>
+        </p:nvSpPr>
+        <p:spPr>
+          <a:xfrm>
+            <a:off x="2368969" y="4736764"/>
+            <a:ext cx="6305400" cy="292500"/>
+          </a:xfrm>
+          <a:prstGeom prst="rect">
+            <a:avLst/>
+          </a:prstGeom>
+          <a:noFill/>
+          <a:ln>
+            <a:noFill/>
+          </a:ln>
+        </p:spPr>
+        <p:txBody>
+          <a:bodyPr spcFirstLastPara="1" wrap="square" lIns="91425" tIns="91425" rIns="91425" bIns="91425" anchor="t" anchorCtr="0">
+            <a:spAutoFit/>
+          </a:bodyPr>
+          <a:lstStyle/>
+          <a:p>
+            <a:pPr marL="0" lvl="0" indent="0" algn="l" rtl="0">
+              <a:lnSpc>
+                <a:spcPct val="190909"/>
+              </a:lnSpc>
+              <a:spcBef>
+                <a:spcPts val="0"/>
+              </a:spcBef>
+              <a:spcAft>
+                <a:spcPts val="1500"/>
+              </a:spcAft>
+              <a:buNone/>
+            </a:pPr>
+            <a:r>
+              <a:rPr lang="en" sz="700" dirty="0">
+                <a:solidFill>
+                  <a:srgbClr val="061448"/>
+                </a:solidFill>
+              </a:rPr>
+              <a:t>This project has received funding from the European Union's Horizon Europe research and innovation </a:t>
+            </a:r>
+            <a:r>
+              <a:rPr lang="en" sz="700" dirty="0" err="1">
+                <a:solidFill>
+                  <a:srgbClr val="061448"/>
+                </a:solidFill>
+              </a:rPr>
+              <a:t>programme</a:t>
+            </a:r>
+            <a:r>
+              <a:rPr lang="en" sz="700" dirty="0">
+                <a:solidFill>
+                  <a:srgbClr val="061448"/>
+                </a:solidFill>
+              </a:rPr>
+              <a:t> under Grant Agreement No.</a:t>
+            </a:r>
+            <a:r>
+              <a:rPr lang="en" sz="700" dirty="0">
+                <a:solidFill>
+                  <a:schemeClr val="dk1"/>
+                </a:solidFill>
+              </a:rPr>
+              <a:t>874850</a:t>
+            </a:r>
+            <a:endParaRPr sz="900" dirty="0">
+              <a:solidFill>
+                <a:srgbClr val="111111"/>
+              </a:solidFill>
+              <a:highlight>
+                <a:srgbClr val="FFFFFF"/>
+              </a:highlight>
+            </a:endParaRPr>
+          </a:p>
+        </p:txBody>
+      </p:sp>
+      <p:sp>
+        <p:nvSpPr>
+          <p:cNvPr id="5" name="TextBox 4">
+            <a:extLst>
+              <a:ext uri="{FF2B5EF4-FFF2-40B4-BE49-F238E27FC236}">
+                <a16:creationId xmlns:a16="http://schemas.microsoft.com/office/drawing/2014/main" id="{49AC8AFF-C750-0D22-2A42-D92A36F432F8}"/>
+              </a:ext>
+            </a:extLst>
+          </p:cNvPr>
+          <p:cNvSpPr txBox="1"/>
+          <p:nvPr/>
+        </p:nvSpPr>
+        <p:spPr>
+          <a:xfrm>
+            <a:off x="1687902" y="1145435"/>
+            <a:ext cx="6487686" cy="523220"/>
+          </a:xfrm>
+          <a:prstGeom prst="rect">
+            <a:avLst/>
+          </a:prstGeom>
+          <a:noFill/>
+        </p:spPr>
+        <p:txBody>
+          <a:bodyPr wrap="square" rtlCol="0">
+            <a:spAutoFit/>
+          </a:bodyPr>
+          <a:lstStyle/>
+          <a:p>
+            <a:pPr algn="just"/>
+            <a:r>
+              <a:rPr lang="en-GB" b="0" i="0" dirty="0">
+                <a:solidFill>
+                  <a:srgbClr val="374151"/>
+                </a:solidFill>
+                <a:effectLst/>
+                <a:latin typeface="Söhne"/>
+              </a:rPr>
+              <a:t>Explore the transformation of the </a:t>
+            </a:r>
+            <a:r>
+              <a:rPr lang="en-GB" b="1" i="0" dirty="0">
+                <a:solidFill>
+                  <a:srgbClr val="374151"/>
+                </a:solidFill>
+                <a:effectLst/>
+                <a:latin typeface="Söhne"/>
+              </a:rPr>
+              <a:t>Avian-Influenza article dataset </a:t>
+            </a:r>
+            <a:r>
+              <a:rPr lang="en-GB" b="0" i="0" dirty="0">
+                <a:solidFill>
+                  <a:srgbClr val="374151"/>
+                </a:solidFill>
+                <a:effectLst/>
+                <a:latin typeface="Söhne"/>
+              </a:rPr>
+              <a:t>into an Insightful</a:t>
+            </a:r>
+            <a:r>
+              <a:rPr lang="en-GB" dirty="0">
+                <a:solidFill>
+                  <a:srgbClr val="374151"/>
+                </a:solidFill>
+                <a:latin typeface="Söhne"/>
+              </a:rPr>
+              <a:t> </a:t>
+            </a:r>
+            <a:r>
+              <a:rPr lang="en-GB" b="1" i="0" dirty="0">
+                <a:solidFill>
+                  <a:srgbClr val="374151"/>
+                </a:solidFill>
+                <a:effectLst/>
+                <a:latin typeface="Söhne"/>
+              </a:rPr>
+              <a:t>Geographical Information Dashboard</a:t>
+            </a:r>
+            <a:r>
+              <a:rPr lang="en-GB" dirty="0">
+                <a:solidFill>
+                  <a:srgbClr val="374151"/>
+                </a:solidFill>
+                <a:latin typeface="Söhne"/>
+              </a:rPr>
+              <a:t>?</a:t>
+            </a:r>
+            <a:endParaRPr lang="en-FR" dirty="0"/>
+          </a:p>
+        </p:txBody>
+      </p:sp>
+      <p:sp>
+        <p:nvSpPr>
+          <p:cNvPr id="6" name="TextBox 5">
+            <a:extLst>
+              <a:ext uri="{FF2B5EF4-FFF2-40B4-BE49-F238E27FC236}">
+                <a16:creationId xmlns:a16="http://schemas.microsoft.com/office/drawing/2014/main" id="{5A3A6B38-839E-FDC3-32FC-44213139F0DF}"/>
+              </a:ext>
+            </a:extLst>
+          </p:cNvPr>
+          <p:cNvSpPr txBox="1"/>
+          <p:nvPr/>
+        </p:nvSpPr>
+        <p:spPr>
+          <a:xfrm>
+            <a:off x="1687901" y="1984309"/>
+            <a:ext cx="6649577" cy="1384995"/>
+          </a:xfrm>
+          <a:prstGeom prst="rect">
+            <a:avLst/>
+          </a:prstGeom>
+          <a:noFill/>
+        </p:spPr>
+        <p:txBody>
+          <a:bodyPr wrap="none" rtlCol="0">
+            <a:spAutoFit/>
+          </a:bodyPr>
+          <a:lstStyle/>
+          <a:p>
+            <a:pPr marL="285750" indent="-285750">
+              <a:buFont typeface="Arial" panose="020B0604020202020204" pitchFamily="34" charset="0"/>
+              <a:buChar char="•"/>
+            </a:pPr>
+            <a:r>
+              <a:rPr lang="en-GB" b="1" i="0" dirty="0">
+                <a:solidFill>
+                  <a:srgbClr val="374151"/>
+                </a:solidFill>
+                <a:effectLst/>
+                <a:latin typeface="Söhne"/>
+              </a:rPr>
+              <a:t>Primary focus </a:t>
+            </a:r>
+            <a:r>
+              <a:rPr lang="en-GB" b="0" i="0" dirty="0">
+                <a:solidFill>
+                  <a:srgbClr val="374151"/>
+                </a:solidFill>
+                <a:effectLst/>
+                <a:latin typeface="Söhne"/>
+              </a:rPr>
+              <a:t>on extracting </a:t>
+            </a:r>
+            <a:r>
+              <a:rPr lang="en-GB" b="1" i="0" dirty="0">
+                <a:solidFill>
+                  <a:srgbClr val="374151"/>
+                </a:solidFill>
+                <a:effectLst/>
+                <a:latin typeface="Söhne"/>
+              </a:rPr>
+              <a:t>location data</a:t>
+            </a:r>
+            <a:r>
+              <a:rPr lang="en-GB" b="0" i="0" dirty="0">
+                <a:solidFill>
+                  <a:srgbClr val="374151"/>
+                </a:solidFill>
+                <a:effectLst/>
+                <a:latin typeface="Söhne"/>
+              </a:rPr>
+              <a:t> from the articles content (text) to uncover</a:t>
+            </a:r>
+          </a:p>
+          <a:p>
+            <a:r>
+              <a:rPr lang="en-GB" b="0" i="0" dirty="0">
+                <a:solidFill>
+                  <a:srgbClr val="374151"/>
+                </a:solidFill>
+                <a:effectLst/>
+                <a:latin typeface="Söhne"/>
+              </a:rPr>
+              <a:t> geographic trends.</a:t>
+            </a:r>
+          </a:p>
+          <a:p>
+            <a:pPr marL="285750" indent="-285750">
+              <a:buFont typeface="Arial" panose="020B0604020202020204" pitchFamily="34" charset="0"/>
+              <a:buChar char="•"/>
+            </a:pPr>
+            <a:r>
+              <a:rPr lang="en-GB" b="1" i="0" dirty="0">
+                <a:solidFill>
+                  <a:srgbClr val="374151"/>
+                </a:solidFill>
+                <a:effectLst/>
+                <a:latin typeface="Söhne"/>
+              </a:rPr>
+              <a:t>Visualizations</a:t>
+            </a:r>
+            <a:r>
+              <a:rPr lang="en-GB" b="0" i="0" dirty="0">
+                <a:solidFill>
+                  <a:srgbClr val="374151"/>
+                </a:solidFill>
+                <a:effectLst/>
+                <a:latin typeface="Söhne"/>
+              </a:rPr>
+              <a:t> include word cloud, top 10 countries, heatmaps, map clusters, </a:t>
+            </a:r>
+          </a:p>
+          <a:p>
+            <a:r>
+              <a:rPr lang="en-GB" dirty="0">
+                <a:solidFill>
+                  <a:srgbClr val="374151"/>
+                </a:solidFill>
+                <a:latin typeface="Söhne"/>
+              </a:rPr>
+              <a:t> </a:t>
+            </a:r>
+            <a:r>
+              <a:rPr lang="en-GB" b="0" i="0" dirty="0">
+                <a:solidFill>
+                  <a:srgbClr val="374151"/>
+                </a:solidFill>
+                <a:effectLst/>
+                <a:latin typeface="Söhne"/>
+              </a:rPr>
+              <a:t>choropleth maps, and time-series heatmaps.</a:t>
+            </a:r>
+          </a:p>
+          <a:p>
+            <a:pPr marL="285750" indent="-285750">
+              <a:buFont typeface="Arial" panose="020B0604020202020204" pitchFamily="34" charset="0"/>
+              <a:buChar char="•"/>
+            </a:pPr>
+            <a:endParaRPr lang="en-GB" b="0" i="0" dirty="0">
+              <a:solidFill>
+                <a:srgbClr val="374151"/>
+              </a:solidFill>
+              <a:effectLst/>
+              <a:latin typeface="Söhne"/>
+            </a:endParaRPr>
+          </a:p>
+          <a:p>
+            <a:pPr marL="285750" indent="-285750">
+              <a:buFont typeface="Arial" panose="020B0604020202020204" pitchFamily="34" charset="0"/>
+              <a:buChar char="•"/>
+            </a:pPr>
+            <a:endParaRPr lang="en-FR" dirty="0"/>
+          </a:p>
+        </p:txBody>
+      </p:sp>
+      <p:sp>
+        <p:nvSpPr>
+          <p:cNvPr id="11" name="TextBox 10">
+            <a:extLst>
+              <a:ext uri="{FF2B5EF4-FFF2-40B4-BE49-F238E27FC236}">
+                <a16:creationId xmlns:a16="http://schemas.microsoft.com/office/drawing/2014/main" id="{9ABA99C6-375A-6CA2-5ED1-9627FDBF7951}"/>
+              </a:ext>
+            </a:extLst>
+          </p:cNvPr>
+          <p:cNvSpPr txBox="1"/>
+          <p:nvPr/>
+        </p:nvSpPr>
+        <p:spPr>
+          <a:xfrm>
+            <a:off x="1696611" y="876393"/>
+            <a:ext cx="840295" cy="307777"/>
+          </a:xfrm>
+          <a:prstGeom prst="rect">
+            <a:avLst/>
+          </a:prstGeom>
+          <a:noFill/>
+        </p:spPr>
+        <p:txBody>
+          <a:bodyPr wrap="none" rtlCol="0">
+            <a:spAutoFit/>
+          </a:bodyPr>
+          <a:lstStyle/>
+          <a:p>
+            <a:r>
+              <a:rPr lang="en-GB" b="1" i="0" dirty="0">
+                <a:solidFill>
+                  <a:srgbClr val="FF0000"/>
+                </a:solidFill>
+                <a:effectLst/>
+                <a:latin typeface="Söhne"/>
+              </a:rPr>
+              <a:t>Exercise:</a:t>
+            </a:r>
+            <a:endParaRPr lang="en-FR" b="1" dirty="0">
+              <a:solidFill>
+                <a:srgbClr val="FF0000"/>
+              </a:solidFill>
+            </a:endParaRPr>
+          </a:p>
+        </p:txBody>
+      </p:sp>
+      <p:sp>
+        <p:nvSpPr>
+          <p:cNvPr id="21" name="TextBox 20">
+            <a:extLst>
+              <a:ext uri="{FF2B5EF4-FFF2-40B4-BE49-F238E27FC236}">
+                <a16:creationId xmlns:a16="http://schemas.microsoft.com/office/drawing/2014/main" id="{D6A1C92A-73BF-7111-65CF-B5C17CA4874C}"/>
+              </a:ext>
+            </a:extLst>
+          </p:cNvPr>
+          <p:cNvSpPr txBox="1"/>
+          <p:nvPr/>
+        </p:nvSpPr>
+        <p:spPr>
+          <a:xfrm>
+            <a:off x="1672919" y="1775847"/>
+            <a:ext cx="4572000" cy="307777"/>
+          </a:xfrm>
+          <a:prstGeom prst="rect">
+            <a:avLst/>
+          </a:prstGeom>
+          <a:noFill/>
+        </p:spPr>
+        <p:txBody>
+          <a:bodyPr wrap="square">
+            <a:spAutoFit/>
+          </a:bodyPr>
+          <a:lstStyle/>
+          <a:p>
+            <a:r>
+              <a:rPr lang="en-GB" b="1" i="0" dirty="0">
+                <a:solidFill>
+                  <a:schemeClr val="accent4"/>
+                </a:solidFill>
+                <a:effectLst/>
+                <a:latin typeface="Söhne"/>
+              </a:rPr>
+              <a:t>Steps:</a:t>
+            </a:r>
+            <a:endParaRPr lang="en-FR" b="1" dirty="0">
+              <a:solidFill>
+                <a:schemeClr val="accent4"/>
+              </a:solidFill>
+            </a:endParaRPr>
+          </a:p>
+        </p:txBody>
+      </p:sp>
+      <p:sp>
+        <p:nvSpPr>
+          <p:cNvPr id="22" name="TextBox 21">
+            <a:extLst>
+              <a:ext uri="{FF2B5EF4-FFF2-40B4-BE49-F238E27FC236}">
+                <a16:creationId xmlns:a16="http://schemas.microsoft.com/office/drawing/2014/main" id="{B39C0E09-EF19-242B-3BDC-6DA27F0972F6}"/>
+              </a:ext>
+            </a:extLst>
+          </p:cNvPr>
+          <p:cNvSpPr txBox="1"/>
+          <p:nvPr/>
+        </p:nvSpPr>
+        <p:spPr>
+          <a:xfrm>
+            <a:off x="1687901" y="2975186"/>
+            <a:ext cx="4572000" cy="307777"/>
+          </a:xfrm>
+          <a:prstGeom prst="rect">
+            <a:avLst/>
+          </a:prstGeom>
+          <a:noFill/>
+        </p:spPr>
+        <p:txBody>
+          <a:bodyPr wrap="square">
+            <a:spAutoFit/>
+          </a:bodyPr>
+          <a:lstStyle/>
+          <a:p>
+            <a:r>
+              <a:rPr lang="en-GB" b="1" dirty="0">
+                <a:solidFill>
+                  <a:schemeClr val="accent1">
+                    <a:lumMod val="50000"/>
+                  </a:schemeClr>
+                </a:solidFill>
+                <a:latin typeface="Söhne"/>
+              </a:rPr>
+              <a:t>To achieve</a:t>
+            </a:r>
+            <a:r>
+              <a:rPr lang="en-GB" b="1" i="0" dirty="0">
+                <a:solidFill>
+                  <a:schemeClr val="accent1">
+                    <a:lumMod val="50000"/>
+                  </a:schemeClr>
+                </a:solidFill>
+                <a:effectLst/>
+                <a:latin typeface="Söhne"/>
+              </a:rPr>
+              <a:t>:</a:t>
+            </a:r>
+            <a:endParaRPr lang="en-FR" b="1" dirty="0">
+              <a:solidFill>
+                <a:schemeClr val="accent1">
+                  <a:lumMod val="50000"/>
+                </a:schemeClr>
+              </a:solidFill>
+            </a:endParaRPr>
+          </a:p>
+        </p:txBody>
+      </p:sp>
+      <p:sp>
+        <p:nvSpPr>
+          <p:cNvPr id="23" name="TextBox 22">
+            <a:extLst>
+              <a:ext uri="{FF2B5EF4-FFF2-40B4-BE49-F238E27FC236}">
+                <a16:creationId xmlns:a16="http://schemas.microsoft.com/office/drawing/2014/main" id="{B0FF73D3-5BA7-FCB4-6760-1EA6F0ACC798}"/>
+              </a:ext>
+            </a:extLst>
+          </p:cNvPr>
+          <p:cNvSpPr txBox="1"/>
+          <p:nvPr/>
+        </p:nvSpPr>
+        <p:spPr>
+          <a:xfrm>
+            <a:off x="1687901" y="3248344"/>
+            <a:ext cx="6745757" cy="954107"/>
+          </a:xfrm>
+          <a:prstGeom prst="rect">
+            <a:avLst/>
+          </a:prstGeom>
+          <a:noFill/>
+        </p:spPr>
+        <p:txBody>
+          <a:bodyPr wrap="none" rtlCol="0">
+            <a:spAutoFit/>
+          </a:bodyPr>
+          <a:lstStyle/>
+          <a:p>
+            <a:pPr marL="285750" indent="-285750">
+              <a:buFont typeface="Arial" panose="020B0604020202020204" pitchFamily="34" charset="0"/>
+              <a:buChar char="•"/>
+            </a:pPr>
+            <a:r>
+              <a:rPr lang="en-GB" b="0" i="0" dirty="0">
+                <a:solidFill>
+                  <a:srgbClr val="374151"/>
+                </a:solidFill>
+                <a:effectLst/>
+                <a:latin typeface="Söhne"/>
+              </a:rPr>
+              <a:t>Emphasize understanding the </a:t>
+            </a:r>
+            <a:r>
+              <a:rPr lang="en-GB" b="1" i="0" dirty="0">
+                <a:solidFill>
+                  <a:srgbClr val="374151"/>
+                </a:solidFill>
+                <a:effectLst/>
+                <a:latin typeface="Söhne"/>
+              </a:rPr>
+              <a:t>global impact of Avian Influenza outbreaks</a:t>
+            </a:r>
+            <a:r>
+              <a:rPr lang="en-GB" b="0" i="0" dirty="0">
+                <a:solidFill>
+                  <a:srgbClr val="374151"/>
+                </a:solidFill>
+                <a:effectLst/>
+                <a:latin typeface="Söhne"/>
+              </a:rPr>
+              <a:t>.</a:t>
+            </a:r>
+          </a:p>
+          <a:p>
+            <a:pPr marL="285750" indent="-285750">
+              <a:buFont typeface="Arial" panose="020B0604020202020204" pitchFamily="34" charset="0"/>
+              <a:buChar char="•"/>
+            </a:pPr>
+            <a:r>
+              <a:rPr lang="en-GB" b="0" i="0" dirty="0">
+                <a:solidFill>
+                  <a:srgbClr val="374151"/>
+                </a:solidFill>
+                <a:effectLst/>
+                <a:latin typeface="Söhne"/>
+              </a:rPr>
+              <a:t>Uncover valuable insights and facilitate a comprehensive overview of the </a:t>
+            </a:r>
+            <a:r>
+              <a:rPr lang="en-GB" b="1" i="0" dirty="0">
+                <a:solidFill>
+                  <a:srgbClr val="374151"/>
+                </a:solidFill>
+                <a:effectLst/>
+                <a:latin typeface="Söhne"/>
+              </a:rPr>
+              <a:t>distribution </a:t>
+            </a:r>
+          </a:p>
+          <a:p>
+            <a:r>
+              <a:rPr lang="en-GB" b="1" i="0" dirty="0">
+                <a:solidFill>
+                  <a:srgbClr val="374151"/>
+                </a:solidFill>
+                <a:effectLst/>
+                <a:latin typeface="Söhne"/>
+              </a:rPr>
+              <a:t>of events</a:t>
+            </a:r>
+            <a:r>
+              <a:rPr lang="en-GB" b="0" i="0" dirty="0">
+                <a:solidFill>
+                  <a:srgbClr val="374151"/>
+                </a:solidFill>
+                <a:effectLst/>
+                <a:latin typeface="Söhne"/>
+              </a:rPr>
+              <a:t>.</a:t>
+            </a:r>
+          </a:p>
+          <a:p>
+            <a:pPr marL="285750" indent="-285750">
+              <a:buFont typeface="Arial" panose="020B0604020202020204" pitchFamily="34" charset="0"/>
+              <a:buChar char="•"/>
+            </a:pPr>
+            <a:endParaRPr lang="en-FR" dirty="0"/>
+          </a:p>
+        </p:txBody>
+      </p:sp>
+      <p:sp>
+        <p:nvSpPr>
+          <p:cNvPr id="26" name="TextBox 25">
+            <a:extLst>
+              <a:ext uri="{FF2B5EF4-FFF2-40B4-BE49-F238E27FC236}">
+                <a16:creationId xmlns:a16="http://schemas.microsoft.com/office/drawing/2014/main" id="{6C33677C-5E9C-A745-6649-25796C403081}"/>
+              </a:ext>
+            </a:extLst>
+          </p:cNvPr>
+          <p:cNvSpPr txBox="1"/>
+          <p:nvPr/>
+        </p:nvSpPr>
+        <p:spPr>
+          <a:xfrm>
+            <a:off x="1687901" y="4209793"/>
+            <a:ext cx="6487686" cy="523220"/>
+          </a:xfrm>
+          <a:prstGeom prst="rect">
+            <a:avLst/>
+          </a:prstGeom>
+          <a:noFill/>
+        </p:spPr>
+        <p:txBody>
+          <a:bodyPr wrap="square">
+            <a:spAutoFit/>
+          </a:bodyPr>
+          <a:lstStyle/>
+          <a:p>
+            <a:r>
+              <a:rPr lang="en-GB" b="0" i="0" dirty="0">
+                <a:solidFill>
+                  <a:srgbClr val="374151"/>
+                </a:solidFill>
+                <a:effectLst/>
+                <a:latin typeface="Söhne"/>
+              </a:rPr>
+              <a:t>Gain practical experience in </a:t>
+            </a:r>
+            <a:r>
+              <a:rPr lang="en-GB" b="1" i="0" dirty="0">
+                <a:solidFill>
+                  <a:srgbClr val="374151"/>
+                </a:solidFill>
+                <a:effectLst/>
+                <a:latin typeface="Söhne"/>
+              </a:rPr>
+              <a:t>location extraction</a:t>
+            </a:r>
+            <a:r>
+              <a:rPr lang="en-GB" b="0" i="0" dirty="0">
+                <a:solidFill>
+                  <a:srgbClr val="374151"/>
+                </a:solidFill>
+                <a:effectLst/>
+                <a:latin typeface="Söhne"/>
+              </a:rPr>
+              <a:t>, </a:t>
+            </a:r>
+            <a:r>
+              <a:rPr lang="en-GB" b="1" i="0" dirty="0">
+                <a:solidFill>
+                  <a:srgbClr val="374151"/>
+                </a:solidFill>
+                <a:effectLst/>
+                <a:latin typeface="Söhne"/>
+              </a:rPr>
+              <a:t>data transformation</a:t>
+            </a:r>
+            <a:r>
+              <a:rPr lang="en-GB" b="0" i="0" dirty="0">
+                <a:solidFill>
+                  <a:srgbClr val="374151"/>
+                </a:solidFill>
+                <a:effectLst/>
+                <a:latin typeface="Söhne"/>
+              </a:rPr>
+              <a:t>, and creating visually </a:t>
+            </a:r>
+            <a:r>
+              <a:rPr lang="en-GB" b="1" i="0" dirty="0">
+                <a:solidFill>
+                  <a:srgbClr val="374151"/>
+                </a:solidFill>
+                <a:effectLst/>
+                <a:latin typeface="Söhne"/>
+              </a:rPr>
+              <a:t>informative dashboard</a:t>
+            </a:r>
+            <a:r>
+              <a:rPr lang="en-GB" b="0" i="0" dirty="0">
+                <a:solidFill>
+                  <a:srgbClr val="374151"/>
+                </a:solidFill>
+                <a:effectLst/>
+                <a:latin typeface="Söhne"/>
+              </a:rPr>
+              <a:t>.</a:t>
+            </a:r>
+            <a:endParaRPr lang="en-FR" dirty="0"/>
+          </a:p>
+        </p:txBody>
+      </p:sp>
+      <p:sp>
+        <p:nvSpPr>
+          <p:cNvPr id="30" name="TextBox 29">
+            <a:extLst>
+              <a:ext uri="{FF2B5EF4-FFF2-40B4-BE49-F238E27FC236}">
+                <a16:creationId xmlns:a16="http://schemas.microsoft.com/office/drawing/2014/main" id="{AEC2DF3F-E4AD-7AF1-B1D2-7E290EC0577A}"/>
+              </a:ext>
+            </a:extLst>
+          </p:cNvPr>
+          <p:cNvSpPr txBox="1"/>
+          <p:nvPr/>
+        </p:nvSpPr>
+        <p:spPr>
+          <a:xfrm>
+            <a:off x="1702608" y="3953089"/>
+            <a:ext cx="4572000" cy="307777"/>
+          </a:xfrm>
+          <a:prstGeom prst="rect">
+            <a:avLst/>
+          </a:prstGeom>
+          <a:noFill/>
+        </p:spPr>
+        <p:txBody>
+          <a:bodyPr wrap="square">
+            <a:spAutoFit/>
+          </a:bodyPr>
+          <a:lstStyle/>
+          <a:p>
+            <a:r>
+              <a:rPr lang="en-GB" b="1" i="0" dirty="0">
+                <a:solidFill>
+                  <a:srgbClr val="00B050"/>
+                </a:solidFill>
+                <a:effectLst/>
+                <a:latin typeface="Söhne"/>
+              </a:rPr>
+              <a:t>Practical (to-do):</a:t>
+            </a:r>
+            <a:endParaRPr lang="en-FR" b="1" dirty="0">
+              <a:solidFill>
+                <a:srgbClr val="00B050"/>
+              </a:solidFill>
+            </a:endParaRPr>
+          </a:p>
+        </p:txBody>
+      </p:sp>
+    </p:spTree>
+    <p:extLst>
+      <p:ext uri="{BB962C8B-B14F-4D97-AF65-F5344CB8AC3E}">
+        <p14:creationId xmlns:p14="http://schemas.microsoft.com/office/powerpoint/2010/main" val="1853060470"/>
+      </p:ext>
+    </p:extLst>
+  </p:cSld>
+  <p:clrMapOvr>
+    <a:masterClrMapping/>
+  </p:clrMapOvr>
+  <p:timing>
+    <p:tnLst>
+      <p:par>
+        <p:cTn id="1" dur="indefinite" restart="never" nodeType="tmRoot">
+          <p:childTnLst>
+            <p:seq concurrent="1" nextAc="seek">
+              <p:cTn id="2" dur="indefinite" nodeType="mainSeq">
+                <p:childTnLst>
+                  <p:par>
+                    <p:cTn id="3" fill="hold">
+                      <p:stCondLst>
+                        <p:cond delay="indefinite"/>
+                      </p:stCondLst>
+                      <p:childTnLst>
+                        <p:par>
+                          <p:cTn id="4" fill="hold">
+                            <p:stCondLst>
+                              <p:cond delay="0"/>
+                            </p:stCondLst>
+                            <p:childTnLst>
+                              <p:par>
+                                <p:cTn id="5" presetID="1" presetClass="entr" presetSubtype="0" fill="hold" grpId="0" nodeType="clickEffect">
+                                  <p:stCondLst>
+                                    <p:cond delay="0"/>
+                                  </p:stCondLst>
+                                  <p:childTnLst>
+                                    <p:set>
+                                      <p:cBhvr>
+                                        <p:cTn id="6" dur="1" fill="hold">
+                                          <p:stCondLst>
+                                            <p:cond delay="0"/>
+                                          </p:stCondLst>
+                                        </p:cTn>
+                                        <p:tgtEl>
+                                          <p:spTgt spid="6"/>
+                                        </p:tgtEl>
+                                        <p:attrNameLst>
+                                          <p:attrName>style.visibility</p:attrName>
+                                        </p:attrNameLst>
+                                      </p:cBhvr>
+                                      <p:to>
+                                        <p:strVal val="visible"/>
+                                      </p:to>
+                                    </p:set>
+                                  </p:childTnLst>
+                                </p:cTn>
+                              </p:par>
+                              <p:par>
+                                <p:cTn id="7" presetID="1" presetClass="entr" presetSubtype="0" fill="hold" grpId="0" nodeType="withEffect">
+                                  <p:stCondLst>
+                                    <p:cond delay="0"/>
+                                  </p:stCondLst>
+                                  <p:childTnLst>
+                                    <p:set>
+                                      <p:cBhvr>
+                                        <p:cTn id="8" dur="1" fill="hold">
+                                          <p:stCondLst>
+                                            <p:cond delay="0"/>
+                                          </p:stCondLst>
+                                        </p:cTn>
+                                        <p:tgtEl>
+                                          <p:spTgt spid="21"/>
+                                        </p:tgtEl>
+                                        <p:attrNameLst>
+                                          <p:attrName>style.visibility</p:attrName>
+                                        </p:attrNameLst>
+                                      </p:cBhvr>
+                                      <p:to>
+                                        <p:strVal val="visible"/>
+                                      </p:to>
+                                    </p:set>
+                                  </p:childTnLst>
+                                </p:cTn>
+                              </p:par>
+                            </p:childTnLst>
+                          </p:cTn>
+                        </p:par>
+                      </p:childTnLst>
+                    </p:cTn>
+                  </p:par>
+                  <p:par>
+                    <p:cTn id="9" fill="hold">
+                      <p:stCondLst>
+                        <p:cond delay="indefinite"/>
+                      </p:stCondLst>
+                      <p:childTnLst>
+                        <p:par>
+                          <p:cTn id="10" fill="hold">
+                            <p:stCondLst>
+                              <p:cond delay="0"/>
+                            </p:stCondLst>
+                            <p:childTnLst>
+                              <p:par>
+                                <p:cTn id="11" presetID="1" presetClass="entr" presetSubtype="0" fill="hold" grpId="0" nodeType="clickEffect">
+                                  <p:stCondLst>
+                                    <p:cond delay="0"/>
+                                  </p:stCondLst>
+                                  <p:childTnLst>
+                                    <p:set>
+                                      <p:cBhvr>
+                                        <p:cTn id="12" dur="1" fill="hold">
+                                          <p:stCondLst>
+                                            <p:cond delay="0"/>
+                                          </p:stCondLst>
+                                        </p:cTn>
+                                        <p:tgtEl>
+                                          <p:spTgt spid="22"/>
+                                        </p:tgtEl>
+                                        <p:attrNameLst>
+                                          <p:attrName>style.visibility</p:attrName>
+                                        </p:attrNameLst>
+                                      </p:cBhvr>
+                                      <p:to>
+                                        <p:strVal val="visible"/>
+                                      </p:to>
+                                    </p:set>
+                                  </p:childTnLst>
+                                </p:cTn>
+                              </p:par>
+                              <p:par>
+                                <p:cTn id="13" presetID="1" presetClass="entr" presetSubtype="0" fill="hold" grpId="0" nodeType="withEffect">
+                                  <p:stCondLst>
+                                    <p:cond delay="0"/>
+                                  </p:stCondLst>
+                                  <p:childTnLst>
+                                    <p:set>
+                                      <p:cBhvr>
+                                        <p:cTn id="14" dur="1" fill="hold">
+                                          <p:stCondLst>
+                                            <p:cond delay="0"/>
+                                          </p:stCondLst>
+                                        </p:cTn>
+                                        <p:tgtEl>
+                                          <p:spTgt spid="23"/>
+                                        </p:tgtEl>
+                                        <p:attrNameLst>
+                                          <p:attrName>style.visibility</p:attrName>
+                                        </p:attrNameLst>
+                                      </p:cBhvr>
+                                      <p:to>
+                                        <p:strVal val="visible"/>
+                                      </p:to>
+                                    </p:set>
+                                  </p:childTnLst>
+                                </p:cTn>
+                              </p:par>
+                            </p:childTnLst>
+                          </p:cTn>
+                        </p:par>
+                      </p:childTnLst>
+                    </p:cTn>
+                  </p:par>
+                  <p:par>
+                    <p:cTn id="15" fill="hold">
+                      <p:stCondLst>
+                        <p:cond delay="indefinite"/>
+                      </p:stCondLst>
+                      <p:childTnLst>
+                        <p:par>
+                          <p:cTn id="16" fill="hold">
+                            <p:stCondLst>
+                              <p:cond delay="0"/>
+                            </p:stCondLst>
+                            <p:childTnLst>
+                              <p:par>
+                                <p:cTn id="17" presetID="1" presetClass="entr" presetSubtype="0" fill="hold" grpId="0" nodeType="clickEffect">
+                                  <p:stCondLst>
+                                    <p:cond delay="0"/>
+                                  </p:stCondLst>
+                                  <p:childTnLst>
+                                    <p:set>
+                                      <p:cBhvr>
+                                        <p:cTn id="18" dur="1" fill="hold">
+                                          <p:stCondLst>
+                                            <p:cond delay="0"/>
+                                          </p:stCondLst>
+                                        </p:cTn>
+                                        <p:tgtEl>
+                                          <p:spTgt spid="30"/>
+                                        </p:tgtEl>
+                                        <p:attrNameLst>
+                                          <p:attrName>style.visibility</p:attrName>
+                                        </p:attrNameLst>
+                                      </p:cBhvr>
+                                      <p:to>
+                                        <p:strVal val="visible"/>
+                                      </p:to>
+                                    </p:set>
+                                  </p:childTnLst>
+                                </p:cTn>
+                              </p:par>
+                              <p:par>
+                                <p:cTn id="19" presetID="1" presetClass="entr" presetSubtype="0" fill="hold" grpId="0" nodeType="withEffect">
+                                  <p:stCondLst>
+                                    <p:cond delay="0"/>
+                                  </p:stCondLst>
+                                  <p:childTnLst>
+                                    <p:set>
+                                      <p:cBhvr>
+                                        <p:cTn id="20" dur="1" fill="hold">
+                                          <p:stCondLst>
+                                            <p:cond delay="0"/>
+                                          </p:stCondLst>
+                                        </p:cTn>
+                                        <p:tgtEl>
+                                          <p:spTgt spid="26"/>
+                                        </p:tgtEl>
+                                        <p:attrNameLst>
+                                          <p:attrName>style.visibility</p:attrName>
+                                        </p:attrNameLst>
+                                      </p:cBhvr>
+                                      <p:to>
+                                        <p:strVal val="visible"/>
+                                      </p:to>
+                                    </p:set>
+                                  </p:childTnLst>
+                                </p:cTn>
+                              </p:par>
+                            </p:childTnLst>
+                          </p:cTn>
+                        </p:par>
+                      </p:childTnLst>
+                    </p:cTn>
+                  </p:par>
+                </p:childTnLst>
+              </p:cTn>
+              <p:prevCondLst>
+                <p:cond evt="onPrev" delay="0">
+                  <p:tgtEl>
+                    <p:sldTgt/>
+                  </p:tgtEl>
+                </p:cond>
+              </p:prevCondLst>
+              <p:nextCondLst>
+                <p:cond evt="onNext" delay="0">
+                  <p:tgtEl>
+                    <p:sldTgt/>
+                  </p:tgtEl>
+                </p:cond>
+              </p:nextCondLst>
+            </p:seq>
+          </p:childTnLst>
+        </p:cTn>
+      </p:par>
+    </p:tnLst>
+    <p:bldLst>
+      <p:bldP spid="6" grpId="0"/>
+      <p:bldP spid="21" grpId="0"/>
+      <p:bldP spid="22" grpId="0"/>
+      <p:bldP spid="23" grpId="0"/>
+      <p:bldP spid="26" grpId="0"/>
+      <p:bldP spid="30" grpId="0"/>
+    </p:bldLst>
+  </p:timing>
+</p:sld>
+</file>
+
+<file path=ppt/slides/slide5.xml><?xml version="1.0" encoding="utf-8"?>
+<p:sld xmlns:a="http://schemas.openxmlformats.org/drawingml/2006/main" xmlns:r="http://schemas.openxmlformats.org/officeDocument/2006/relationships" xmlns:p="http://schemas.openxmlformats.org/presentationml/2006/main">
+  <p:cSld>
+    <p:spTree>
+      <p:nvGrpSpPr>
+        <p:cNvPr id="1" name="Shape 105"/>
+        <p:cNvGrpSpPr/>
+        <p:nvPr/>
+      </p:nvGrpSpPr>
+      <p:grpSpPr>
+        <a:xfrm>
+          <a:off x="0" y="0"/>
+          <a:ext cx="0" cy="0"/>
+          <a:chOff x="0" y="0"/>
+          <a:chExt cx="0" cy="0"/>
+        </a:xfrm>
+      </p:grpSpPr>
+      <p:sp>
+        <p:nvSpPr>
+          <p:cNvPr id="106" name="Google Shape;106;p19"/>
+          <p:cNvSpPr txBox="1">
+            <a:spLocks noGrp="1"/>
+          </p:cNvSpPr>
+          <p:nvPr>
+            <p:ph type="sldNum" idx="12"/>
+          </p:nvPr>
+        </p:nvSpPr>
+        <p:spPr>
+          <a:xfrm>
+            <a:off x="8472458" y="4663217"/>
+            <a:ext cx="548700" cy="393600"/>
+          </a:xfrm>
+          <a:prstGeom prst="rect">
+            <a:avLst/>
+          </a:prstGeom>
+        </p:spPr>
+        <p:txBody>
+          <a:bodyPr spcFirstLastPara="1" wrap="square" lIns="91425" tIns="91425" rIns="91425" bIns="91425" anchor="ctr" anchorCtr="0">
+            <a:normAutofit/>
+          </a:bodyPr>
+          <a:lstStyle/>
+          <a:p>
+            <a:pPr marL="0" lvl="0" indent="0" algn="r" rtl="0">
+              <a:spcBef>
+                <a:spcPts val="0"/>
+              </a:spcBef>
+              <a:spcAft>
+                <a:spcPts val="0"/>
+              </a:spcAft>
+              <a:buNone/>
+            </a:pPr>
+            <a:fld id="{00000000-1234-1234-1234-123412341234}" type="slidenum">
+              <a:rPr lang="en"/>
+              <a:t>5</a:t>
+            </a:fld>
+            <a:endParaRPr/>
+          </a:p>
+        </p:txBody>
+      </p:sp>
+      <p:pic>
+        <p:nvPicPr>
+          <p:cNvPr id="107" name="Google Shape;107;p19"/>
+          <p:cNvPicPr preferRelativeResize="0"/>
+          <p:nvPr/>
+        </p:nvPicPr>
+        <p:blipFill>
+          <a:blip r:embed="rId3">
+            <a:alphaModFix/>
+          </a:blip>
+          <a:stretch>
+            <a:fillRect/>
+          </a:stretch>
+        </p:blipFill>
+        <p:spPr>
+          <a:xfrm>
+            <a:off x="8075750" y="90245"/>
+            <a:ext cx="540876" cy="167001"/>
+          </a:xfrm>
+          <a:prstGeom prst="rect">
+            <a:avLst/>
+          </a:prstGeom>
+          <a:noFill/>
+          <a:ln>
+            <a:noFill/>
+          </a:ln>
+        </p:spPr>
+      </p:pic>
+      <p:pic>
+        <p:nvPicPr>
+          <p:cNvPr id="108" name="Google Shape;108;p19" descr="Macintosh HD:Users:jessicamery:Desktop:EU Flag:flag_yellow_low.jpg"/>
+          <p:cNvPicPr preferRelativeResize="0"/>
+          <p:nvPr/>
+        </p:nvPicPr>
+        <p:blipFill rotWithShape="1">
+          <a:blip r:embed="rId4">
+            <a:alphaModFix/>
+          </a:blip>
+          <a:srcRect/>
+          <a:stretch/>
+        </p:blipFill>
+        <p:spPr>
+          <a:xfrm>
+            <a:off x="8665660" y="79625"/>
+            <a:ext cx="287490" cy="188250"/>
+          </a:xfrm>
+          <a:prstGeom prst="rect">
+            <a:avLst/>
+          </a:prstGeom>
+          <a:noFill/>
+          <a:ln>
+            <a:noFill/>
+          </a:ln>
+        </p:spPr>
+      </p:pic>
+      <p:grpSp>
+        <p:nvGrpSpPr>
+          <p:cNvPr id="4" name="Group 3">
+            <a:extLst>
+              <a:ext uri="{FF2B5EF4-FFF2-40B4-BE49-F238E27FC236}">
+                <a16:creationId xmlns:a16="http://schemas.microsoft.com/office/drawing/2014/main" id="{CFC1306F-99A4-E49C-C063-C828DC42D0CC}"/>
+              </a:ext>
+            </a:extLst>
+          </p:cNvPr>
+          <p:cNvGrpSpPr/>
+          <p:nvPr/>
+        </p:nvGrpSpPr>
+        <p:grpSpPr>
+          <a:xfrm>
+            <a:off x="1581297" y="218451"/>
+            <a:ext cx="6764891" cy="1000244"/>
+            <a:chOff x="1583259" y="435137"/>
+            <a:chExt cx="6764891" cy="1000244"/>
+          </a:xfrm>
+        </p:grpSpPr>
+        <p:sp>
+          <p:nvSpPr>
+            <p:cNvPr id="109" name="Google Shape;109;p19"/>
+            <p:cNvSpPr/>
+            <p:nvPr/>
+          </p:nvSpPr>
+          <p:spPr>
+            <a:xfrm>
+              <a:off x="1745150" y="513075"/>
+              <a:ext cx="6603000" cy="523200"/>
+            </a:xfrm>
+            <a:prstGeom prst="rect">
+              <a:avLst/>
+            </a:prstGeom>
+            <a:solidFill>
+              <a:srgbClr val="061448"/>
+            </a:solidFill>
+            <a:ln w="9525" cap="flat" cmpd="sng">
+              <a:solidFill>
+                <a:schemeClr val="dk2"/>
+              </a:solidFill>
+              <a:prstDash val="solid"/>
+              <a:round/>
+              <a:headEnd type="none" w="sm" len="sm"/>
+              <a:tailEnd type="none" w="sm" len="sm"/>
+            </a:ln>
+          </p:spPr>
+          <p:txBody>
+            <a:bodyPr spcFirstLastPara="1" wrap="square" lIns="91425" tIns="91425" rIns="91425" bIns="91425" anchor="ctr" anchorCtr="0">
+              <a:noAutofit/>
+            </a:bodyPr>
+            <a:lstStyle/>
+            <a:p>
+              <a:pPr marL="0" lvl="0" indent="0" algn="l" rtl="0">
+                <a:spcBef>
+                  <a:spcPts val="0"/>
+                </a:spcBef>
+                <a:spcAft>
+                  <a:spcPts val="0"/>
+                </a:spcAft>
+                <a:buNone/>
+              </a:pPr>
+              <a:endParaRPr/>
+            </a:p>
+          </p:txBody>
+        </p:sp>
+        <p:sp>
+          <p:nvSpPr>
+            <p:cNvPr id="110" name="Google Shape;110;p19"/>
+            <p:cNvSpPr txBox="1"/>
+            <p:nvPr/>
+          </p:nvSpPr>
+          <p:spPr>
+            <a:xfrm>
+              <a:off x="1583259" y="435137"/>
+              <a:ext cx="6603000" cy="1000244"/>
+            </a:xfrm>
+            <a:prstGeom prst="rect">
+              <a:avLst/>
+            </a:prstGeom>
+            <a:noFill/>
+            <a:ln w="9525" cap="flat" cmpd="sng">
+              <a:solidFill>
+                <a:srgbClr val="CEE4EB"/>
+              </a:solidFill>
+              <a:prstDash val="dot"/>
+              <a:round/>
+              <a:headEnd type="none" w="sm" len="sm"/>
+              <a:tailEnd type="none" w="sm" len="sm"/>
+            </a:ln>
+          </p:spPr>
+          <p:txBody>
+            <a:bodyPr spcFirstLastPara="1" wrap="square" lIns="91425" tIns="91425" rIns="91425" bIns="91425" anchor="t" anchorCtr="0">
+              <a:spAutoFit/>
+            </a:bodyPr>
+            <a:lstStyle/>
+            <a:p>
+              <a:pPr algn="ctr"/>
+              <a:r>
+                <a:rPr lang="en-GB" sz="2800" b="1" spc="-1" dirty="0" err="1">
+                  <a:solidFill>
+                    <a:schemeClr val="bg1"/>
+                  </a:solidFill>
+                  <a:latin typeface="Twentieth Century"/>
+                </a:rPr>
+                <a:t>Excercise</a:t>
+              </a:r>
+              <a:r>
                 <a:rPr lang="fr-FR" sz="2800" b="1" spc="-1" dirty="0">
                   <a:solidFill>
                     <a:schemeClr val="bg1"/>
                   </a:solidFill>
                   <a:latin typeface="Twentieth Century"/>
                 </a:rPr>
-                <a:t>Spatial Information Dashboard</a:t>
+                <a:t>: Spatial Information Dashboard</a:t>
               </a:r>
             </a:p>
             <a:p>
@@ -12440,7 +13979,7 @@
     </p:spTree>
     <p:extLst>
       <p:ext uri="{BB962C8B-B14F-4D97-AF65-F5344CB8AC3E}">
-        <p14:creationId xmlns:p14="http://schemas.microsoft.com/office/powerpoint/2010/main" val="1853060470"/>
+        <p14:creationId xmlns:p14="http://schemas.microsoft.com/office/powerpoint/2010/main" val="1749466356"/>
       </p:ext>
     </p:extLst>
   </p:cSld>
@@ -12450,7 +13989,7 @@
 </p:sld>
 </file>
 
-<file path=ppt/slides/slide5.xml><?xml version="1.0" encoding="utf-8"?>
+<file path=ppt/slides/slide6.xml><?xml version="1.0" encoding="utf-8"?>
 <p:sld xmlns:a="http://schemas.openxmlformats.org/drawingml/2006/main" xmlns:r="http://schemas.openxmlformats.org/officeDocument/2006/relationships" xmlns:p="http://schemas.openxmlformats.org/presentationml/2006/main">
   <p:cSld>
     <p:spTree>
@@ -12503,7 +14042,7 @@
             </a:pPr>
             <a:fld id="{00000000-1234-1234-1234-123412341234}" type="slidenum">
               <a:rPr lang="en"/>
-              <a:t>5</a:t>
+              <a:t>6</a:t>
             </a:fld>
             <a:endParaRPr/>
           </a:p>
